--- a/output/images/sem_cross.pptx
+++ b/output/images/sem_cross.pptx
@@ -8,7 +8,8 @@
     <p:sldId id="256" r:id="rId2"/>
     <p:sldId id="257" r:id="rId3"/>
     <p:sldId id="259" r:id="rId4"/>
-    <p:sldId id="258" r:id="rId5"/>
+    <p:sldId id="260" r:id="rId5"/>
+    <p:sldId id="261" r:id="rId6"/>
   </p:sldIdLst>
   <p:sldSz cx="12192000" cy="6858000"/>
   <p:notesSz cx="6858000" cy="9144000"/>
@@ -264,7 +265,7 @@
           <a:p>
             <a:fld id="{AF34E6EF-4F91-45CE-B028-7D3BA6F74CB3}" type="datetimeFigureOut">
               <a:rPr lang="es-CL" smtClean="0"/>
-              <a:t>16-07-2020</a:t>
+              <a:t>21-07-2020</a:t>
             </a:fld>
             <a:endParaRPr lang="es-CL"/>
           </a:p>
@@ -464,7 +465,7 @@
           <a:p>
             <a:fld id="{AF34E6EF-4F91-45CE-B028-7D3BA6F74CB3}" type="datetimeFigureOut">
               <a:rPr lang="es-CL" smtClean="0"/>
-              <a:t>16-07-2020</a:t>
+              <a:t>21-07-2020</a:t>
             </a:fld>
             <a:endParaRPr lang="es-CL"/>
           </a:p>
@@ -674,7 +675,7 @@
           <a:p>
             <a:fld id="{AF34E6EF-4F91-45CE-B028-7D3BA6F74CB3}" type="datetimeFigureOut">
               <a:rPr lang="es-CL" smtClean="0"/>
-              <a:t>16-07-2020</a:t>
+              <a:t>21-07-2020</a:t>
             </a:fld>
             <a:endParaRPr lang="es-CL"/>
           </a:p>
@@ -874,7 +875,7 @@
           <a:p>
             <a:fld id="{AF34E6EF-4F91-45CE-B028-7D3BA6F74CB3}" type="datetimeFigureOut">
               <a:rPr lang="es-CL" smtClean="0"/>
-              <a:t>16-07-2020</a:t>
+              <a:t>21-07-2020</a:t>
             </a:fld>
             <a:endParaRPr lang="es-CL"/>
           </a:p>
@@ -1150,7 +1151,7 @@
           <a:p>
             <a:fld id="{AF34E6EF-4F91-45CE-B028-7D3BA6F74CB3}" type="datetimeFigureOut">
               <a:rPr lang="es-CL" smtClean="0"/>
-              <a:t>16-07-2020</a:t>
+              <a:t>21-07-2020</a:t>
             </a:fld>
             <a:endParaRPr lang="es-CL"/>
           </a:p>
@@ -1418,7 +1419,7 @@
           <a:p>
             <a:fld id="{AF34E6EF-4F91-45CE-B028-7D3BA6F74CB3}" type="datetimeFigureOut">
               <a:rPr lang="es-CL" smtClean="0"/>
-              <a:t>16-07-2020</a:t>
+              <a:t>21-07-2020</a:t>
             </a:fld>
             <a:endParaRPr lang="es-CL"/>
           </a:p>
@@ -1833,7 +1834,7 @@
           <a:p>
             <a:fld id="{AF34E6EF-4F91-45CE-B028-7D3BA6F74CB3}" type="datetimeFigureOut">
               <a:rPr lang="es-CL" smtClean="0"/>
-              <a:t>16-07-2020</a:t>
+              <a:t>21-07-2020</a:t>
             </a:fld>
             <a:endParaRPr lang="es-CL"/>
           </a:p>
@@ -1975,7 +1976,7 @@
           <a:p>
             <a:fld id="{AF34E6EF-4F91-45CE-B028-7D3BA6F74CB3}" type="datetimeFigureOut">
               <a:rPr lang="es-CL" smtClean="0"/>
-              <a:t>16-07-2020</a:t>
+              <a:t>21-07-2020</a:t>
             </a:fld>
             <a:endParaRPr lang="es-CL"/>
           </a:p>
@@ -2088,7 +2089,7 @@
           <a:p>
             <a:fld id="{AF34E6EF-4F91-45CE-B028-7D3BA6F74CB3}" type="datetimeFigureOut">
               <a:rPr lang="es-CL" smtClean="0"/>
-              <a:t>16-07-2020</a:t>
+              <a:t>21-07-2020</a:t>
             </a:fld>
             <a:endParaRPr lang="es-CL"/>
           </a:p>
@@ -2401,7 +2402,7 @@
           <a:p>
             <a:fld id="{AF34E6EF-4F91-45CE-B028-7D3BA6F74CB3}" type="datetimeFigureOut">
               <a:rPr lang="es-CL" smtClean="0"/>
-              <a:t>16-07-2020</a:t>
+              <a:t>21-07-2020</a:t>
             </a:fld>
             <a:endParaRPr lang="es-CL"/>
           </a:p>
@@ -2690,7 +2691,7 @@
           <a:p>
             <a:fld id="{AF34E6EF-4F91-45CE-B028-7D3BA6F74CB3}" type="datetimeFigureOut">
               <a:rPr lang="es-CL" smtClean="0"/>
-              <a:t>16-07-2020</a:t>
+              <a:t>21-07-2020</a:t>
             </a:fld>
             <a:endParaRPr lang="es-CL"/>
           </a:p>
@@ -2933,7 +2934,7 @@
           <a:p>
             <a:fld id="{AF34E6EF-4F91-45CE-B028-7D3BA6F74CB3}" type="datetimeFigureOut">
               <a:rPr lang="es-CL" smtClean="0"/>
-              <a:t>16-07-2020</a:t>
+              <a:t>21-07-2020</a:t>
             </a:fld>
             <a:endParaRPr lang="es-CL"/>
           </a:p>
@@ -6072,8 +6073,8 @@
           </p:txBody>
         </p:sp>
       </p:grpSp>
-      <mc:AlternateContent xmlns:mc="http://schemas.openxmlformats.org/markup-compatibility/2006">
-        <mc:Choice xmlns:a14="http://schemas.microsoft.com/office/drawing/2010/main" Requires="a14">
+      <mc:AlternateContent xmlns:mc="http://schemas.openxmlformats.org/markup-compatibility/2006" xmlns:a14="http://schemas.microsoft.com/office/drawing/2010/main">
+        <mc:Choice Requires="a14">
           <p:sp>
             <p:nvSpPr>
               <p:cNvPr id="4" name="CuadroTexto 3">
@@ -6343,7 +6344,7 @@
             </p:txBody>
           </p:sp>
         </mc:Choice>
-        <mc:Fallback>
+        <mc:Fallback xmlns="">
           <p:sp>
             <p:nvSpPr>
               <p:cNvPr id="4" name="CuadroTexto 3">
@@ -6535,10 +6536,10 @@
         </p:nvGrpSpPr>
         <p:grpSpPr>
           <a:xfrm>
-            <a:off x="974435" y="641844"/>
-            <a:ext cx="9589194" cy="5288431"/>
-            <a:chOff x="974435" y="641844"/>
-            <a:chExt cx="9589194" cy="5288431"/>
+            <a:off x="2521526" y="641844"/>
+            <a:ext cx="8042103" cy="5288431"/>
+            <a:chOff x="2521526" y="641844"/>
+            <a:chExt cx="8042103" cy="5288431"/>
           </a:xfrm>
         </p:grpSpPr>
         <p:sp>
@@ -6744,50 +6745,6 @@
                 </a:rPr>
                 <a:t>-0.02 </a:t>
               </a:r>
-            </a:p>
-          </p:txBody>
-        </p:sp>
-        <p:sp>
-          <p:nvSpPr>
-            <p:cNvPr id="12" name="CuadroTexto 11">
-              <a:extLst>
-                <a:ext uri="{FF2B5EF4-FFF2-40B4-BE49-F238E27FC236}">
-                  <a16:creationId xmlns:a16="http://schemas.microsoft.com/office/drawing/2014/main" id="{766F8773-43FA-4928-AED9-21CE44725F4B}"/>
-                </a:ext>
-              </a:extLst>
-            </p:cNvPr>
-            <p:cNvSpPr txBox="1"/>
-            <p:nvPr/>
-          </p:nvSpPr>
-          <p:spPr>
-            <a:xfrm>
-              <a:off x="974435" y="3105834"/>
-              <a:ext cx="746299" cy="461665"/>
-            </a:xfrm>
-            <a:prstGeom prst="rect">
-              <a:avLst/>
-            </a:prstGeom>
-            <a:noFill/>
-          </p:spPr>
-          <p:txBody>
-            <a:bodyPr wrap="square" rtlCol="0">
-              <a:spAutoFit/>
-            </a:bodyPr>
-            <a:lstStyle/>
-            <a:p>
-              <a:r>
-                <a:rPr lang="es-CL" sz="1200" dirty="0">
-                  <a:latin typeface="Times New Roman" panose="02020603050405020304" pitchFamily="18" charset="0"/>
-                  <a:cs typeface="Times New Roman" panose="02020603050405020304" pitchFamily="18" charset="0"/>
-                </a:rPr>
-                <a:t>0.42***</a:t>
-              </a:r>
-            </a:p>
-            <a:p>
-              <a:endParaRPr lang="es-CL" sz="1200" dirty="0">
-                <a:latin typeface="Times New Roman" panose="02020603050405020304" pitchFamily="18" charset="0"/>
-                <a:cs typeface="Times New Roman" panose="02020603050405020304" pitchFamily="18" charset="0"/>
-              </a:endParaRPr>
             </a:p>
           </p:txBody>
         </p:sp>
@@ -7321,7 +7278,828 @@
     </p:spTree>
     <p:extLst>
       <p:ext uri="{BB962C8B-B14F-4D97-AF65-F5344CB8AC3E}">
-        <p14:creationId xmlns:p14="http://schemas.microsoft.com/office/powerpoint/2010/main" val="1621572514"/>
+        <p14:creationId xmlns:p14="http://schemas.microsoft.com/office/powerpoint/2010/main" val="1014103808"/>
+      </p:ext>
+    </p:extLst>
+  </p:cSld>
+  <p:clrMapOvr>
+    <a:masterClrMapping/>
+  </p:clrMapOvr>
+</p:sld>
+</file>
+
+<file path=ppt/slides/slide5.xml><?xml version="1.0" encoding="utf-8"?>
+<p:sld xmlns:a="http://schemas.openxmlformats.org/drawingml/2006/main" xmlns:r="http://schemas.openxmlformats.org/officeDocument/2006/relationships" xmlns:p="http://schemas.openxmlformats.org/presentationml/2006/main">
+  <p:cSld>
+    <p:spTree>
+      <p:nvGrpSpPr>
+        <p:cNvPr id="1" name=""/>
+        <p:cNvGrpSpPr/>
+        <p:nvPr/>
+      </p:nvGrpSpPr>
+      <p:grpSpPr>
+        <a:xfrm>
+          <a:off x="0" y="0"/>
+          <a:ext cx="0" cy="0"/>
+          <a:chOff x="0" y="0"/>
+          <a:chExt cx="0" cy="0"/>
+        </a:xfrm>
+      </p:grpSpPr>
+      <p:pic>
+        <p:nvPicPr>
+          <p:cNvPr id="5" name="Marcador de contenido 4" descr="Imagen que contiene diferente, hombre&#10;&#10;Descripción generada automáticamente">
+            <a:extLst>
+              <a:ext uri="{FF2B5EF4-FFF2-40B4-BE49-F238E27FC236}">
+                <a16:creationId xmlns:a16="http://schemas.microsoft.com/office/drawing/2014/main" id="{6A7C215B-5B4E-4B02-95E6-52E1D37D90FA}"/>
+              </a:ext>
+            </a:extLst>
+          </p:cNvPr>
+          <p:cNvPicPr>
+            <a:picLocks noGrp="1" noChangeAspect="1"/>
+          </p:cNvPicPr>
+          <p:nvPr>
+            <p:ph idx="1"/>
+          </p:nvPr>
+        </p:nvPicPr>
+        <p:blipFill>
+          <a:blip r:embed="rId3">
+            <a:extLst>
+              <a:ext uri="{28A0092B-C50C-407E-A947-70E740481C1C}">
+                <a14:useLocalDpi xmlns:a14="http://schemas.microsoft.com/office/drawing/2010/main" val="0"/>
+              </a:ext>
+            </a:extLst>
+          </a:blip>
+          <a:stretch>
+            <a:fillRect/>
+          </a:stretch>
+        </p:blipFill>
+        <p:spPr>
+          <a:xfrm>
+            <a:off x="0" y="-1"/>
+            <a:ext cx="12192000" cy="6858001"/>
+          </a:xfrm>
+        </p:spPr>
+      </p:pic>
+      <p:grpSp>
+        <p:nvGrpSpPr>
+          <p:cNvPr id="3" name="Grupo 2">
+            <a:extLst>
+              <a:ext uri="{FF2B5EF4-FFF2-40B4-BE49-F238E27FC236}">
+                <a16:creationId xmlns:a16="http://schemas.microsoft.com/office/drawing/2014/main" id="{435AC0DD-A402-4591-B244-2BB48B7DEA26}"/>
+              </a:ext>
+            </a:extLst>
+          </p:cNvPr>
+          <p:cNvGrpSpPr/>
+          <p:nvPr/>
+        </p:nvGrpSpPr>
+        <p:grpSpPr>
+          <a:xfrm>
+            <a:off x="2521526" y="641844"/>
+            <a:ext cx="8042103" cy="5288431"/>
+            <a:chOff x="2521526" y="641844"/>
+            <a:chExt cx="8042103" cy="5288431"/>
+          </a:xfrm>
+        </p:grpSpPr>
+        <p:sp>
+          <p:nvSpPr>
+            <p:cNvPr id="7" name="CuadroTexto 6">
+              <a:extLst>
+                <a:ext uri="{FF2B5EF4-FFF2-40B4-BE49-F238E27FC236}">
+                  <a16:creationId xmlns:a16="http://schemas.microsoft.com/office/drawing/2014/main" id="{10815270-A4E3-4F4B-9F72-E6D5DFA905AD}"/>
+                </a:ext>
+              </a:extLst>
+            </p:cNvPr>
+            <p:cNvSpPr txBox="1"/>
+            <p:nvPr/>
+          </p:nvSpPr>
+          <p:spPr>
+            <a:xfrm>
+              <a:off x="2946399" y="674255"/>
+              <a:ext cx="572655" cy="276999"/>
+            </a:xfrm>
+            <a:prstGeom prst="rect">
+              <a:avLst/>
+            </a:prstGeom>
+            <a:noFill/>
+          </p:spPr>
+          <p:txBody>
+            <a:bodyPr wrap="square" rtlCol="0">
+              <a:spAutoFit/>
+            </a:bodyPr>
+            <a:lstStyle/>
+            <a:p>
+              <a:endParaRPr lang="es-CL" sz="1200" dirty="0">
+                <a:latin typeface="Times New Roman" panose="02020603050405020304" pitchFamily="18" charset="0"/>
+                <a:cs typeface="Times New Roman" panose="02020603050405020304" pitchFamily="18" charset="0"/>
+              </a:endParaRPr>
+            </a:p>
+          </p:txBody>
+        </p:sp>
+        <p:sp>
+          <p:nvSpPr>
+            <p:cNvPr id="8" name="CuadroTexto 7">
+              <a:extLst>
+                <a:ext uri="{FF2B5EF4-FFF2-40B4-BE49-F238E27FC236}">
+                  <a16:creationId xmlns:a16="http://schemas.microsoft.com/office/drawing/2014/main" id="{EFF455F2-5565-47A0-A448-2452B1063236}"/>
+                </a:ext>
+              </a:extLst>
+            </p:cNvPr>
+            <p:cNvSpPr txBox="1"/>
+            <p:nvPr/>
+          </p:nvSpPr>
+          <p:spPr>
+            <a:xfrm>
+              <a:off x="2946399" y="720421"/>
+              <a:ext cx="715576" cy="461665"/>
+            </a:xfrm>
+            <a:prstGeom prst="rect">
+              <a:avLst/>
+            </a:prstGeom>
+            <a:noFill/>
+          </p:spPr>
+          <p:txBody>
+            <a:bodyPr wrap="square" rtlCol="0">
+              <a:spAutoFit/>
+            </a:bodyPr>
+            <a:lstStyle/>
+            <a:p>
+              <a:pPr algn="ctr"/>
+              <a:r>
+                <a:rPr lang="es-CL" sz="1200" dirty="0">
+                  <a:latin typeface="Times New Roman" panose="02020603050405020304" pitchFamily="18" charset="0"/>
+                  <a:cs typeface="Times New Roman" panose="02020603050405020304" pitchFamily="18" charset="0"/>
+                </a:rPr>
+                <a:t>0.18***</a:t>
+              </a:r>
+            </a:p>
+            <a:p>
+              <a:endParaRPr lang="es-CL" sz="1200" dirty="0">
+                <a:latin typeface="Times New Roman" panose="02020603050405020304" pitchFamily="18" charset="0"/>
+                <a:cs typeface="Times New Roman" panose="02020603050405020304" pitchFamily="18" charset="0"/>
+              </a:endParaRPr>
+            </a:p>
+          </p:txBody>
+        </p:sp>
+        <p:sp>
+          <p:nvSpPr>
+            <p:cNvPr id="9" name="CuadroTexto 8">
+              <a:extLst>
+                <a:ext uri="{FF2B5EF4-FFF2-40B4-BE49-F238E27FC236}">
+                  <a16:creationId xmlns:a16="http://schemas.microsoft.com/office/drawing/2014/main" id="{CABD14DB-9237-42E8-BF91-FE6D7779BA81}"/>
+                </a:ext>
+              </a:extLst>
+            </p:cNvPr>
+            <p:cNvSpPr txBox="1"/>
+            <p:nvPr/>
+          </p:nvSpPr>
+          <p:spPr>
+            <a:xfrm>
+              <a:off x="5777344" y="669568"/>
+              <a:ext cx="922713" cy="461665"/>
+            </a:xfrm>
+            <a:prstGeom prst="rect">
+              <a:avLst/>
+            </a:prstGeom>
+            <a:noFill/>
+          </p:spPr>
+          <p:txBody>
+            <a:bodyPr wrap="square" rtlCol="0">
+              <a:spAutoFit/>
+            </a:bodyPr>
+            <a:lstStyle/>
+            <a:p>
+              <a:r>
+                <a:rPr lang="es-CL" sz="1200" dirty="0">
+                  <a:latin typeface="Times New Roman" panose="02020603050405020304" pitchFamily="18" charset="0"/>
+                  <a:cs typeface="Times New Roman" panose="02020603050405020304" pitchFamily="18" charset="0"/>
+                </a:rPr>
+                <a:t>0.34***</a:t>
+              </a:r>
+            </a:p>
+            <a:p>
+              <a:endParaRPr lang="es-CL" sz="1200" dirty="0">
+                <a:latin typeface="Times New Roman" panose="02020603050405020304" pitchFamily="18" charset="0"/>
+                <a:cs typeface="Times New Roman" panose="02020603050405020304" pitchFamily="18" charset="0"/>
+              </a:endParaRPr>
+            </a:p>
+          </p:txBody>
+        </p:sp>
+        <p:sp>
+          <p:nvSpPr>
+            <p:cNvPr id="10" name="CuadroTexto 9">
+              <a:extLst>
+                <a:ext uri="{FF2B5EF4-FFF2-40B4-BE49-F238E27FC236}">
+                  <a16:creationId xmlns:a16="http://schemas.microsoft.com/office/drawing/2014/main" id="{215156C4-DF80-4D8E-AAFE-159260ACD764}"/>
+                </a:ext>
+              </a:extLst>
+            </p:cNvPr>
+            <p:cNvSpPr txBox="1"/>
+            <p:nvPr/>
+          </p:nvSpPr>
+          <p:spPr>
+            <a:xfrm>
+              <a:off x="8461432" y="641844"/>
+              <a:ext cx="771774" cy="461665"/>
+            </a:xfrm>
+            <a:prstGeom prst="rect">
+              <a:avLst/>
+            </a:prstGeom>
+            <a:noFill/>
+          </p:spPr>
+          <p:txBody>
+            <a:bodyPr wrap="square" rtlCol="0">
+              <a:spAutoFit/>
+            </a:bodyPr>
+            <a:lstStyle/>
+            <a:p>
+              <a:r>
+                <a:rPr lang="es-CL" sz="1200" dirty="0">
+                  <a:latin typeface="Times New Roman" panose="02020603050405020304" pitchFamily="18" charset="0"/>
+                  <a:cs typeface="Times New Roman" panose="02020603050405020304" pitchFamily="18" charset="0"/>
+                </a:rPr>
+                <a:t>0.42***</a:t>
+              </a:r>
+            </a:p>
+            <a:p>
+              <a:endParaRPr lang="es-CL" sz="1200" dirty="0">
+                <a:latin typeface="Times New Roman" panose="02020603050405020304" pitchFamily="18" charset="0"/>
+                <a:cs typeface="Times New Roman" panose="02020603050405020304" pitchFamily="18" charset="0"/>
+              </a:endParaRPr>
+            </a:p>
+          </p:txBody>
+        </p:sp>
+        <p:sp>
+          <p:nvSpPr>
+            <p:cNvPr id="11" name="CuadroTexto 10">
+              <a:extLst>
+                <a:ext uri="{FF2B5EF4-FFF2-40B4-BE49-F238E27FC236}">
+                  <a16:creationId xmlns:a16="http://schemas.microsoft.com/office/drawing/2014/main" id="{34A70CA4-47A3-4B26-8219-9E7F7A36F2FF}"/>
+                </a:ext>
+              </a:extLst>
+            </p:cNvPr>
+            <p:cNvSpPr txBox="1"/>
+            <p:nvPr/>
+          </p:nvSpPr>
+          <p:spPr>
+            <a:xfrm>
+              <a:off x="2521526" y="1855449"/>
+              <a:ext cx="715575" cy="276999"/>
+            </a:xfrm>
+            <a:prstGeom prst="rect">
+              <a:avLst/>
+            </a:prstGeom>
+            <a:noFill/>
+          </p:spPr>
+          <p:txBody>
+            <a:bodyPr wrap="square" rtlCol="0">
+              <a:spAutoFit/>
+            </a:bodyPr>
+            <a:lstStyle/>
+            <a:p>
+              <a:r>
+                <a:rPr lang="es-CL" sz="1200" dirty="0">
+                  <a:latin typeface="Times New Roman" panose="02020603050405020304" pitchFamily="18" charset="0"/>
+                  <a:cs typeface="Times New Roman" panose="02020603050405020304" pitchFamily="18" charset="0"/>
+                </a:rPr>
+                <a:t>-0.02 </a:t>
+              </a:r>
+            </a:p>
+          </p:txBody>
+        </p:sp>
+        <p:sp>
+          <p:nvSpPr>
+            <p:cNvPr id="13" name="CuadroTexto 12">
+              <a:extLst>
+                <a:ext uri="{FF2B5EF4-FFF2-40B4-BE49-F238E27FC236}">
+                  <a16:creationId xmlns:a16="http://schemas.microsoft.com/office/drawing/2014/main" id="{708EE55E-D6C7-4376-9771-67F29D869365}"/>
+                </a:ext>
+              </a:extLst>
+            </p:cNvPr>
+            <p:cNvSpPr txBox="1"/>
+            <p:nvPr/>
+          </p:nvSpPr>
+          <p:spPr>
+            <a:xfrm>
+              <a:off x="2713058" y="4356218"/>
+              <a:ext cx="637310" cy="461665"/>
+            </a:xfrm>
+            <a:prstGeom prst="rect">
+              <a:avLst/>
+            </a:prstGeom>
+            <a:noFill/>
+          </p:spPr>
+          <p:txBody>
+            <a:bodyPr wrap="square" rtlCol="0">
+              <a:spAutoFit/>
+            </a:bodyPr>
+            <a:lstStyle/>
+            <a:p>
+              <a:r>
+                <a:rPr lang="es-CL" sz="1200" dirty="0">
+                  <a:latin typeface="Times New Roman" panose="02020603050405020304" pitchFamily="18" charset="0"/>
+                  <a:cs typeface="Times New Roman" panose="02020603050405020304" pitchFamily="18" charset="0"/>
+                </a:rPr>
+                <a:t>0.09**</a:t>
+              </a:r>
+            </a:p>
+            <a:p>
+              <a:endParaRPr lang="es-CL" sz="1200" dirty="0">
+                <a:latin typeface="Times New Roman" panose="02020603050405020304" pitchFamily="18" charset="0"/>
+                <a:cs typeface="Times New Roman" panose="02020603050405020304" pitchFamily="18" charset="0"/>
+              </a:endParaRPr>
+            </a:p>
+          </p:txBody>
+        </p:sp>
+        <p:sp>
+          <p:nvSpPr>
+            <p:cNvPr id="14" name="CuadroTexto 13">
+              <a:extLst>
+                <a:ext uri="{FF2B5EF4-FFF2-40B4-BE49-F238E27FC236}">
+                  <a16:creationId xmlns:a16="http://schemas.microsoft.com/office/drawing/2014/main" id="{827A5102-BD20-494E-888C-2E0229B3F211}"/>
+                </a:ext>
+              </a:extLst>
+            </p:cNvPr>
+            <p:cNvSpPr txBox="1"/>
+            <p:nvPr/>
+          </p:nvSpPr>
+          <p:spPr>
+            <a:xfrm>
+              <a:off x="4451925" y="3177240"/>
+              <a:ext cx="746299" cy="461665"/>
+            </a:xfrm>
+            <a:prstGeom prst="rect">
+              <a:avLst/>
+            </a:prstGeom>
+            <a:noFill/>
+          </p:spPr>
+          <p:txBody>
+            <a:bodyPr wrap="square" rtlCol="0">
+              <a:spAutoFit/>
+            </a:bodyPr>
+            <a:lstStyle/>
+            <a:p>
+              <a:r>
+                <a:rPr lang="es-CL" sz="1200" dirty="0">
+                  <a:latin typeface="Times New Roman" panose="02020603050405020304" pitchFamily="18" charset="0"/>
+                  <a:cs typeface="Times New Roman" panose="02020603050405020304" pitchFamily="18" charset="0"/>
+                </a:rPr>
+                <a:t>0.41***</a:t>
+              </a:r>
+            </a:p>
+            <a:p>
+              <a:endParaRPr lang="es-CL" sz="1200" dirty="0">
+                <a:latin typeface="Times New Roman" panose="02020603050405020304" pitchFamily="18" charset="0"/>
+                <a:cs typeface="Times New Roman" panose="02020603050405020304" pitchFamily="18" charset="0"/>
+              </a:endParaRPr>
+            </a:p>
+          </p:txBody>
+        </p:sp>
+        <p:sp>
+          <p:nvSpPr>
+            <p:cNvPr id="15" name="CuadroTexto 14">
+              <a:extLst>
+                <a:ext uri="{FF2B5EF4-FFF2-40B4-BE49-F238E27FC236}">
+                  <a16:creationId xmlns:a16="http://schemas.microsoft.com/office/drawing/2014/main" id="{CA7BE555-18A2-4F83-AE4B-02B2C59C3104}"/>
+                </a:ext>
+              </a:extLst>
+            </p:cNvPr>
+            <p:cNvSpPr txBox="1"/>
+            <p:nvPr/>
+          </p:nvSpPr>
+          <p:spPr>
+            <a:xfrm>
+              <a:off x="5332152" y="1855449"/>
+              <a:ext cx="637310" cy="461665"/>
+            </a:xfrm>
+            <a:prstGeom prst="rect">
+              <a:avLst/>
+            </a:prstGeom>
+            <a:noFill/>
+          </p:spPr>
+          <p:txBody>
+            <a:bodyPr wrap="square" rtlCol="0">
+              <a:spAutoFit/>
+            </a:bodyPr>
+            <a:lstStyle/>
+            <a:p>
+              <a:r>
+                <a:rPr lang="es-CL" sz="1200" dirty="0">
+                  <a:latin typeface="Times New Roman" panose="02020603050405020304" pitchFamily="18" charset="0"/>
+                  <a:cs typeface="Times New Roman" panose="02020603050405020304" pitchFamily="18" charset="0"/>
+                </a:rPr>
+                <a:t>0.05</a:t>
+              </a:r>
+            </a:p>
+            <a:p>
+              <a:endParaRPr lang="es-CL" sz="1200" dirty="0">
+                <a:latin typeface="Times New Roman" panose="02020603050405020304" pitchFamily="18" charset="0"/>
+                <a:cs typeface="Times New Roman" panose="02020603050405020304" pitchFamily="18" charset="0"/>
+              </a:endParaRPr>
+            </a:p>
+          </p:txBody>
+        </p:sp>
+        <p:sp>
+          <p:nvSpPr>
+            <p:cNvPr id="16" name="CuadroTexto 15">
+              <a:extLst>
+                <a:ext uri="{FF2B5EF4-FFF2-40B4-BE49-F238E27FC236}">
+                  <a16:creationId xmlns:a16="http://schemas.microsoft.com/office/drawing/2014/main" id="{7FDD984A-320C-480A-BA67-DFEBEECBF2FD}"/>
+                </a:ext>
+              </a:extLst>
+            </p:cNvPr>
+            <p:cNvSpPr txBox="1"/>
+            <p:nvPr/>
+          </p:nvSpPr>
+          <p:spPr>
+            <a:xfrm>
+              <a:off x="5430834" y="4425392"/>
+              <a:ext cx="637310" cy="276999"/>
+            </a:xfrm>
+            <a:prstGeom prst="rect">
+              <a:avLst/>
+            </a:prstGeom>
+            <a:noFill/>
+          </p:spPr>
+          <p:txBody>
+            <a:bodyPr wrap="square" rtlCol="0">
+              <a:spAutoFit/>
+            </a:bodyPr>
+            <a:lstStyle/>
+            <a:p>
+              <a:r>
+                <a:rPr lang="es-CL" sz="1200" dirty="0">
+                  <a:latin typeface="Times New Roman" panose="02020603050405020304" pitchFamily="18" charset="0"/>
+                  <a:cs typeface="Times New Roman" panose="02020603050405020304" pitchFamily="18" charset="0"/>
+                </a:rPr>
+                <a:t>-0.02</a:t>
+              </a:r>
+            </a:p>
+          </p:txBody>
+        </p:sp>
+        <p:sp>
+          <p:nvSpPr>
+            <p:cNvPr id="17" name="CuadroTexto 16">
+              <a:extLst>
+                <a:ext uri="{FF2B5EF4-FFF2-40B4-BE49-F238E27FC236}">
+                  <a16:creationId xmlns:a16="http://schemas.microsoft.com/office/drawing/2014/main" id="{271D6792-8E8A-492F-A960-A08F4537E58E}"/>
+                </a:ext>
+              </a:extLst>
+            </p:cNvPr>
+            <p:cNvSpPr txBox="1"/>
+            <p:nvPr/>
+          </p:nvSpPr>
+          <p:spPr>
+            <a:xfrm>
+              <a:off x="8112880" y="1855449"/>
+              <a:ext cx="637310" cy="276999"/>
+            </a:xfrm>
+            <a:prstGeom prst="rect">
+              <a:avLst/>
+            </a:prstGeom>
+            <a:noFill/>
+          </p:spPr>
+          <p:txBody>
+            <a:bodyPr wrap="square" rtlCol="0">
+              <a:spAutoFit/>
+            </a:bodyPr>
+            <a:lstStyle/>
+            <a:p>
+              <a:r>
+                <a:rPr lang="es-CL" sz="1200" dirty="0">
+                  <a:latin typeface="Times New Roman" panose="02020603050405020304" pitchFamily="18" charset="0"/>
+                  <a:cs typeface="Times New Roman" panose="02020603050405020304" pitchFamily="18" charset="0"/>
+                </a:rPr>
+                <a:t>0.04</a:t>
+              </a:r>
+            </a:p>
+          </p:txBody>
+        </p:sp>
+        <p:sp>
+          <p:nvSpPr>
+            <p:cNvPr id="18" name="CuadroTexto 17">
+              <a:extLst>
+                <a:ext uri="{FF2B5EF4-FFF2-40B4-BE49-F238E27FC236}">
+                  <a16:creationId xmlns:a16="http://schemas.microsoft.com/office/drawing/2014/main" id="{968A2524-11F3-43CC-8E36-E23EA343A88C}"/>
+                </a:ext>
+              </a:extLst>
+            </p:cNvPr>
+            <p:cNvSpPr txBox="1"/>
+            <p:nvPr/>
+          </p:nvSpPr>
+          <p:spPr>
+            <a:xfrm>
+              <a:off x="7154021" y="3177238"/>
+              <a:ext cx="746299" cy="461665"/>
+            </a:xfrm>
+            <a:prstGeom prst="rect">
+              <a:avLst/>
+            </a:prstGeom>
+            <a:noFill/>
+          </p:spPr>
+          <p:txBody>
+            <a:bodyPr wrap="square" rtlCol="0">
+              <a:spAutoFit/>
+            </a:bodyPr>
+            <a:lstStyle/>
+            <a:p>
+              <a:r>
+                <a:rPr lang="es-CL" sz="1200" dirty="0">
+                  <a:latin typeface="Times New Roman" panose="02020603050405020304" pitchFamily="18" charset="0"/>
+                  <a:cs typeface="Times New Roman" panose="02020603050405020304" pitchFamily="18" charset="0"/>
+                </a:rPr>
+                <a:t>0.52***</a:t>
+              </a:r>
+            </a:p>
+            <a:p>
+              <a:endParaRPr lang="es-CL" sz="1200" dirty="0">
+                <a:latin typeface="Times New Roman" panose="02020603050405020304" pitchFamily="18" charset="0"/>
+                <a:cs typeface="Times New Roman" panose="02020603050405020304" pitchFamily="18" charset="0"/>
+              </a:endParaRPr>
+            </a:p>
+          </p:txBody>
+        </p:sp>
+        <p:sp>
+          <p:nvSpPr>
+            <p:cNvPr id="19" name="CuadroTexto 18">
+              <a:extLst>
+                <a:ext uri="{FF2B5EF4-FFF2-40B4-BE49-F238E27FC236}">
+                  <a16:creationId xmlns:a16="http://schemas.microsoft.com/office/drawing/2014/main" id="{619AE8B3-5826-4211-9817-015D6E6D3037}"/>
+                </a:ext>
+              </a:extLst>
+            </p:cNvPr>
+            <p:cNvSpPr txBox="1"/>
+            <p:nvPr/>
+          </p:nvSpPr>
+          <p:spPr>
+            <a:xfrm>
+              <a:off x="8148610" y="4356219"/>
+              <a:ext cx="771775" cy="276999"/>
+            </a:xfrm>
+            <a:prstGeom prst="rect">
+              <a:avLst/>
+            </a:prstGeom>
+            <a:noFill/>
+          </p:spPr>
+          <p:txBody>
+            <a:bodyPr wrap="square" rtlCol="0">
+              <a:spAutoFit/>
+            </a:bodyPr>
+            <a:lstStyle/>
+            <a:p>
+              <a:r>
+                <a:rPr lang="es-CL" sz="1200" dirty="0">
+                  <a:latin typeface="Times New Roman" panose="02020603050405020304" pitchFamily="18" charset="0"/>
+                  <a:cs typeface="Times New Roman" panose="02020603050405020304" pitchFamily="18" charset="0"/>
+                </a:rPr>
+                <a:t>-0.02</a:t>
+              </a:r>
+            </a:p>
+          </p:txBody>
+        </p:sp>
+        <p:sp>
+          <p:nvSpPr>
+            <p:cNvPr id="20" name="CuadroTexto 19">
+              <a:extLst>
+                <a:ext uri="{FF2B5EF4-FFF2-40B4-BE49-F238E27FC236}">
+                  <a16:creationId xmlns:a16="http://schemas.microsoft.com/office/drawing/2014/main" id="{49BB73CC-EC8E-439A-A1A7-27FF9AE99252}"/>
+                </a:ext>
+              </a:extLst>
+            </p:cNvPr>
+            <p:cNvSpPr txBox="1"/>
+            <p:nvPr/>
+          </p:nvSpPr>
+          <p:spPr>
+            <a:xfrm>
+              <a:off x="9856118" y="3177239"/>
+              <a:ext cx="707511" cy="461665"/>
+            </a:xfrm>
+            <a:prstGeom prst="rect">
+              <a:avLst/>
+            </a:prstGeom>
+            <a:noFill/>
+          </p:spPr>
+          <p:txBody>
+            <a:bodyPr wrap="square" rtlCol="0">
+              <a:spAutoFit/>
+            </a:bodyPr>
+            <a:lstStyle/>
+            <a:p>
+              <a:r>
+                <a:rPr lang="es-CL" sz="1200" dirty="0">
+                  <a:latin typeface="Times New Roman" panose="02020603050405020304" pitchFamily="18" charset="0"/>
+                  <a:cs typeface="Times New Roman" panose="02020603050405020304" pitchFamily="18" charset="0"/>
+                </a:rPr>
+                <a:t>0.40***</a:t>
+              </a:r>
+            </a:p>
+            <a:p>
+              <a:endParaRPr lang="es-CL" sz="1200" dirty="0">
+                <a:latin typeface="Times New Roman" panose="02020603050405020304" pitchFamily="18" charset="0"/>
+                <a:cs typeface="Times New Roman" panose="02020603050405020304" pitchFamily="18" charset="0"/>
+              </a:endParaRPr>
+            </a:p>
+          </p:txBody>
+        </p:sp>
+        <p:sp>
+          <p:nvSpPr>
+            <p:cNvPr id="21" name="CuadroTexto 20">
+              <a:extLst>
+                <a:ext uri="{FF2B5EF4-FFF2-40B4-BE49-F238E27FC236}">
+                  <a16:creationId xmlns:a16="http://schemas.microsoft.com/office/drawing/2014/main" id="{3C0EE947-B731-4B4D-98C6-6775A90E1087}"/>
+                </a:ext>
+              </a:extLst>
+            </p:cNvPr>
+            <p:cNvSpPr txBox="1"/>
+            <p:nvPr/>
+          </p:nvSpPr>
+          <p:spPr>
+            <a:xfrm>
+              <a:off x="3024664" y="5283944"/>
+              <a:ext cx="709161" cy="646331"/>
+            </a:xfrm>
+            <a:prstGeom prst="rect">
+              <a:avLst/>
+            </a:prstGeom>
+            <a:noFill/>
+          </p:spPr>
+          <p:txBody>
+            <a:bodyPr wrap="square" rtlCol="0">
+              <a:spAutoFit/>
+            </a:bodyPr>
+            <a:lstStyle/>
+            <a:p>
+              <a:r>
+                <a:rPr lang="es-CL" sz="1200" dirty="0">
+                  <a:latin typeface="Times New Roman" panose="02020603050405020304" pitchFamily="18" charset="0"/>
+                  <a:cs typeface="Times New Roman" panose="02020603050405020304" pitchFamily="18" charset="0"/>
+                </a:rPr>
+                <a:t>0.32***	</a:t>
+              </a:r>
+            </a:p>
+            <a:p>
+              <a:endParaRPr lang="es-CL" sz="1200" dirty="0">
+                <a:latin typeface="Times New Roman" panose="02020603050405020304" pitchFamily="18" charset="0"/>
+                <a:cs typeface="Times New Roman" panose="02020603050405020304" pitchFamily="18" charset="0"/>
+              </a:endParaRPr>
+            </a:p>
+          </p:txBody>
+        </p:sp>
+        <p:sp>
+          <p:nvSpPr>
+            <p:cNvPr id="22" name="CuadroTexto 21">
+              <a:extLst>
+                <a:ext uri="{FF2B5EF4-FFF2-40B4-BE49-F238E27FC236}">
+                  <a16:creationId xmlns:a16="http://schemas.microsoft.com/office/drawing/2014/main" id="{24E95935-E4D3-477F-A0B1-94EFF4584821}"/>
+                </a:ext>
+              </a:extLst>
+            </p:cNvPr>
+            <p:cNvSpPr txBox="1"/>
+            <p:nvPr/>
+          </p:nvSpPr>
+          <p:spPr>
+            <a:xfrm>
+              <a:off x="5741420" y="5283944"/>
+              <a:ext cx="709160" cy="461665"/>
+            </a:xfrm>
+            <a:prstGeom prst="rect">
+              <a:avLst/>
+            </a:prstGeom>
+            <a:noFill/>
+          </p:spPr>
+          <p:txBody>
+            <a:bodyPr wrap="square" rtlCol="0">
+              <a:spAutoFit/>
+            </a:bodyPr>
+            <a:lstStyle/>
+            <a:p>
+              <a:r>
+                <a:rPr lang="es-CL" sz="1200" dirty="0">
+                  <a:latin typeface="Times New Roman" panose="02020603050405020304" pitchFamily="18" charset="0"/>
+                  <a:cs typeface="Times New Roman" panose="02020603050405020304" pitchFamily="18" charset="0"/>
+                </a:rPr>
+                <a:t>0.33***</a:t>
+              </a:r>
+            </a:p>
+            <a:p>
+              <a:endParaRPr lang="es-CL" sz="1200" dirty="0">
+                <a:latin typeface="Times New Roman" panose="02020603050405020304" pitchFamily="18" charset="0"/>
+                <a:cs typeface="Times New Roman" panose="02020603050405020304" pitchFamily="18" charset="0"/>
+              </a:endParaRPr>
+            </a:p>
+          </p:txBody>
+        </p:sp>
+        <p:sp>
+          <p:nvSpPr>
+            <p:cNvPr id="23" name="CuadroTexto 22">
+              <a:extLst>
+                <a:ext uri="{FF2B5EF4-FFF2-40B4-BE49-F238E27FC236}">
+                  <a16:creationId xmlns:a16="http://schemas.microsoft.com/office/drawing/2014/main" id="{D5146E00-DDDE-41D2-8B74-18CACEFC3A46}"/>
+                </a:ext>
+              </a:extLst>
+            </p:cNvPr>
+            <p:cNvSpPr txBox="1"/>
+            <p:nvPr/>
+          </p:nvSpPr>
+          <p:spPr>
+            <a:xfrm>
+              <a:off x="8458175" y="5283944"/>
+              <a:ext cx="771774" cy="461665"/>
+            </a:xfrm>
+            <a:prstGeom prst="rect">
+              <a:avLst/>
+            </a:prstGeom>
+            <a:noFill/>
+          </p:spPr>
+          <p:txBody>
+            <a:bodyPr wrap="square" rtlCol="0">
+              <a:spAutoFit/>
+            </a:bodyPr>
+            <a:lstStyle/>
+            <a:p>
+              <a:r>
+                <a:rPr lang="es-CL" sz="1200" dirty="0">
+                  <a:latin typeface="Times New Roman" panose="02020603050405020304" pitchFamily="18" charset="0"/>
+                  <a:cs typeface="Times New Roman" panose="02020603050405020304" pitchFamily="18" charset="0"/>
+                </a:rPr>
+                <a:t>0.32***</a:t>
+              </a:r>
+            </a:p>
+            <a:p>
+              <a:endParaRPr lang="es-CL" sz="1200" dirty="0">
+                <a:latin typeface="Times New Roman" panose="02020603050405020304" pitchFamily="18" charset="0"/>
+                <a:cs typeface="Times New Roman" panose="02020603050405020304" pitchFamily="18" charset="0"/>
+              </a:endParaRPr>
+            </a:p>
+          </p:txBody>
+        </p:sp>
+      </p:grpSp>
+      <p:graphicFrame>
+        <p:nvGraphicFramePr>
+          <p:cNvPr id="24" name="Objeto 23">
+            <a:extLst>
+              <a:ext uri="{FF2B5EF4-FFF2-40B4-BE49-F238E27FC236}">
+                <a16:creationId xmlns:a16="http://schemas.microsoft.com/office/drawing/2014/main" id="{711507F8-522B-4921-ACAA-3B7377663327}"/>
+              </a:ext>
+            </a:extLst>
+          </p:cNvPr>
+          <p:cNvGraphicFramePr>
+            <a:graphicFrameLocks noChangeAspect="1"/>
+          </p:cNvGraphicFramePr>
+          <p:nvPr>
+            <p:extLst>
+              <p:ext uri="{D42A27DB-BD31-4B8C-83A1-F6EECF244321}">
+                <p14:modId xmlns:p14="http://schemas.microsoft.com/office/powerpoint/2010/main" val="4186350823"/>
+              </p:ext>
+            </p:extLst>
+          </p:nvPr>
+        </p:nvGraphicFramePr>
+        <p:xfrm>
+          <a:off x="445255" y="3128736"/>
+          <a:ext cx="1780708" cy="461665"/>
+        </p:xfrm>
+        <a:graphic>
+          <a:graphicData uri="http://schemas.openxmlformats.org/presentationml/2006/ole">
+            <mc:AlternateContent xmlns:mc="http://schemas.openxmlformats.org/markup-compatibility/2006">
+              <mc:Choice xmlns:v="urn:schemas-microsoft-com:vml" Requires="v">
+                <p:oleObj spid="_x0000_s2051" name="Worksheet" r:id="rId4" imgW="771582" imgH="199923" progId="Excel.Sheet.12">
+                  <p:link updateAutomatic="1"/>
+                </p:oleObj>
+              </mc:Choice>
+              <mc:Fallback>
+                <p:oleObj name="Worksheet" r:id="rId4" imgW="771582" imgH="199923" progId="Excel.Sheet.12">
+                  <p:link updateAutomatic="1"/>
+                  <p:pic>
+                    <p:nvPicPr>
+                      <p:cNvPr id="0" name=""/>
+                      <p:cNvPicPr/>
+                      <p:nvPr/>
+                    </p:nvPicPr>
+                    <p:blipFill>
+                      <a:blip r:embed="rId5"/>
+                      <a:stretch>
+                        <a:fillRect/>
+                      </a:stretch>
+                    </p:blipFill>
+                    <p:spPr>
+                      <a:xfrm>
+                        <a:off x="445255" y="3128736"/>
+                        <a:ext cx="1780708" cy="461665"/>
+                      </a:xfrm>
+                      <a:prstGeom prst="rect">
+                        <a:avLst/>
+                      </a:prstGeom>
+                    </p:spPr>
+                  </p:pic>
+                </p:oleObj>
+              </mc:Fallback>
+            </mc:AlternateContent>
+          </a:graphicData>
+        </a:graphic>
+      </p:graphicFrame>
+    </p:spTree>
+    <p:extLst>
+      <p:ext uri="{BB962C8B-B14F-4D97-AF65-F5344CB8AC3E}">
+        <p14:creationId xmlns:p14="http://schemas.microsoft.com/office/powerpoint/2010/main" val="4054710234"/>
       </p:ext>
     </p:extLst>
   </p:cSld>

--- a/output/images/sem_cross.pptx
+++ b/output/images/sem_cross.pptx
@@ -265,7 +265,7 @@
           <a:p>
             <a:fld id="{AF34E6EF-4F91-45CE-B028-7D3BA6F74CB3}" type="datetimeFigureOut">
               <a:rPr lang="es-CL" smtClean="0"/>
-              <a:t>21-07-2020</a:t>
+              <a:t>22-07-2020</a:t>
             </a:fld>
             <a:endParaRPr lang="es-CL"/>
           </a:p>
@@ -465,7 +465,7 @@
           <a:p>
             <a:fld id="{AF34E6EF-4F91-45CE-B028-7D3BA6F74CB3}" type="datetimeFigureOut">
               <a:rPr lang="es-CL" smtClean="0"/>
-              <a:t>21-07-2020</a:t>
+              <a:t>22-07-2020</a:t>
             </a:fld>
             <a:endParaRPr lang="es-CL"/>
           </a:p>
@@ -675,7 +675,7 @@
           <a:p>
             <a:fld id="{AF34E6EF-4F91-45CE-B028-7D3BA6F74CB3}" type="datetimeFigureOut">
               <a:rPr lang="es-CL" smtClean="0"/>
-              <a:t>21-07-2020</a:t>
+              <a:t>22-07-2020</a:t>
             </a:fld>
             <a:endParaRPr lang="es-CL"/>
           </a:p>
@@ -875,7 +875,7 @@
           <a:p>
             <a:fld id="{AF34E6EF-4F91-45CE-B028-7D3BA6F74CB3}" type="datetimeFigureOut">
               <a:rPr lang="es-CL" smtClean="0"/>
-              <a:t>21-07-2020</a:t>
+              <a:t>22-07-2020</a:t>
             </a:fld>
             <a:endParaRPr lang="es-CL"/>
           </a:p>
@@ -1151,7 +1151,7 @@
           <a:p>
             <a:fld id="{AF34E6EF-4F91-45CE-B028-7D3BA6F74CB3}" type="datetimeFigureOut">
               <a:rPr lang="es-CL" smtClean="0"/>
-              <a:t>21-07-2020</a:t>
+              <a:t>22-07-2020</a:t>
             </a:fld>
             <a:endParaRPr lang="es-CL"/>
           </a:p>
@@ -1419,7 +1419,7 @@
           <a:p>
             <a:fld id="{AF34E6EF-4F91-45CE-B028-7D3BA6F74CB3}" type="datetimeFigureOut">
               <a:rPr lang="es-CL" smtClean="0"/>
-              <a:t>21-07-2020</a:t>
+              <a:t>22-07-2020</a:t>
             </a:fld>
             <a:endParaRPr lang="es-CL"/>
           </a:p>
@@ -1834,7 +1834,7 @@
           <a:p>
             <a:fld id="{AF34E6EF-4F91-45CE-B028-7D3BA6F74CB3}" type="datetimeFigureOut">
               <a:rPr lang="es-CL" smtClean="0"/>
-              <a:t>21-07-2020</a:t>
+              <a:t>22-07-2020</a:t>
             </a:fld>
             <a:endParaRPr lang="es-CL"/>
           </a:p>
@@ -1976,7 +1976,7 @@
           <a:p>
             <a:fld id="{AF34E6EF-4F91-45CE-B028-7D3BA6F74CB3}" type="datetimeFigureOut">
               <a:rPr lang="es-CL" smtClean="0"/>
-              <a:t>21-07-2020</a:t>
+              <a:t>22-07-2020</a:t>
             </a:fld>
             <a:endParaRPr lang="es-CL"/>
           </a:p>
@@ -2089,7 +2089,7 @@
           <a:p>
             <a:fld id="{AF34E6EF-4F91-45CE-B028-7D3BA6F74CB3}" type="datetimeFigureOut">
               <a:rPr lang="es-CL" smtClean="0"/>
-              <a:t>21-07-2020</a:t>
+              <a:t>22-07-2020</a:t>
             </a:fld>
             <a:endParaRPr lang="es-CL"/>
           </a:p>
@@ -2402,7 +2402,7 @@
           <a:p>
             <a:fld id="{AF34E6EF-4F91-45CE-B028-7D3BA6F74CB3}" type="datetimeFigureOut">
               <a:rPr lang="es-CL" smtClean="0"/>
-              <a:t>21-07-2020</a:t>
+              <a:t>22-07-2020</a:t>
             </a:fld>
             <a:endParaRPr lang="es-CL"/>
           </a:p>
@@ -2691,7 +2691,7 @@
           <a:p>
             <a:fld id="{AF34E6EF-4F91-45CE-B028-7D3BA6F74CB3}" type="datetimeFigureOut">
               <a:rPr lang="es-CL" smtClean="0"/>
-              <a:t>21-07-2020</a:t>
+              <a:t>22-07-2020</a:t>
             </a:fld>
             <a:endParaRPr lang="es-CL"/>
           </a:p>
@@ -2934,7 +2934,7 @@
           <a:p>
             <a:fld id="{AF34E6EF-4F91-45CE-B028-7D3BA6F74CB3}" type="datetimeFigureOut">
               <a:rPr lang="es-CL" smtClean="0"/>
-              <a:t>21-07-2020</a:t>
+              <a:t>22-07-2020</a:t>
             </a:fld>
             <a:endParaRPr lang="es-CL"/>
           </a:p>
@@ -7355,9 +7355,9 @@
         <p:grpSpPr>
           <a:xfrm>
             <a:off x="2521526" y="641844"/>
-            <a:ext cx="8042103" cy="5288431"/>
+            <a:ext cx="6711680" cy="5288431"/>
             <a:chOff x="2521526" y="641844"/>
-            <a:chExt cx="8042103" cy="5288431"/>
+            <a:chExt cx="6711680" cy="5288431"/>
           </a:xfrm>
         </p:grpSpPr>
         <p:sp>
@@ -7612,50 +7612,6 @@
         </p:sp>
         <p:sp>
           <p:nvSpPr>
-            <p:cNvPr id="14" name="CuadroTexto 13">
-              <a:extLst>
-                <a:ext uri="{FF2B5EF4-FFF2-40B4-BE49-F238E27FC236}">
-                  <a16:creationId xmlns:a16="http://schemas.microsoft.com/office/drawing/2014/main" id="{827A5102-BD20-494E-888C-2E0229B3F211}"/>
-                </a:ext>
-              </a:extLst>
-            </p:cNvPr>
-            <p:cNvSpPr txBox="1"/>
-            <p:nvPr/>
-          </p:nvSpPr>
-          <p:spPr>
-            <a:xfrm>
-              <a:off x="4451925" y="3177240"/>
-              <a:ext cx="746299" cy="461665"/>
-            </a:xfrm>
-            <a:prstGeom prst="rect">
-              <a:avLst/>
-            </a:prstGeom>
-            <a:noFill/>
-          </p:spPr>
-          <p:txBody>
-            <a:bodyPr wrap="square" rtlCol="0">
-              <a:spAutoFit/>
-            </a:bodyPr>
-            <a:lstStyle/>
-            <a:p>
-              <a:r>
-                <a:rPr lang="es-CL" sz="1200" dirty="0">
-                  <a:latin typeface="Times New Roman" panose="02020603050405020304" pitchFamily="18" charset="0"/>
-                  <a:cs typeface="Times New Roman" panose="02020603050405020304" pitchFamily="18" charset="0"/>
-                </a:rPr>
-                <a:t>0.41***</a:t>
-              </a:r>
-            </a:p>
-            <a:p>
-              <a:endParaRPr lang="es-CL" sz="1200" dirty="0">
-                <a:latin typeface="Times New Roman" panose="02020603050405020304" pitchFamily="18" charset="0"/>
-                <a:cs typeface="Times New Roman" panose="02020603050405020304" pitchFamily="18" charset="0"/>
-              </a:endParaRPr>
-            </a:p>
-          </p:txBody>
-        </p:sp>
-        <p:sp>
-          <p:nvSpPr>
             <p:cNvPr id="15" name="CuadroTexto 14">
               <a:extLst>
                 <a:ext uri="{FF2B5EF4-FFF2-40B4-BE49-F238E27FC236}">
@@ -7776,50 +7732,6 @@
         </p:sp>
         <p:sp>
           <p:nvSpPr>
-            <p:cNvPr id="18" name="CuadroTexto 17">
-              <a:extLst>
-                <a:ext uri="{FF2B5EF4-FFF2-40B4-BE49-F238E27FC236}">
-                  <a16:creationId xmlns:a16="http://schemas.microsoft.com/office/drawing/2014/main" id="{968A2524-11F3-43CC-8E36-E23EA343A88C}"/>
-                </a:ext>
-              </a:extLst>
-            </p:cNvPr>
-            <p:cNvSpPr txBox="1"/>
-            <p:nvPr/>
-          </p:nvSpPr>
-          <p:spPr>
-            <a:xfrm>
-              <a:off x="7154021" y="3177238"/>
-              <a:ext cx="746299" cy="461665"/>
-            </a:xfrm>
-            <a:prstGeom prst="rect">
-              <a:avLst/>
-            </a:prstGeom>
-            <a:noFill/>
-          </p:spPr>
-          <p:txBody>
-            <a:bodyPr wrap="square" rtlCol="0">
-              <a:spAutoFit/>
-            </a:bodyPr>
-            <a:lstStyle/>
-            <a:p>
-              <a:r>
-                <a:rPr lang="es-CL" sz="1200" dirty="0">
-                  <a:latin typeface="Times New Roman" panose="02020603050405020304" pitchFamily="18" charset="0"/>
-                  <a:cs typeface="Times New Roman" panose="02020603050405020304" pitchFamily="18" charset="0"/>
-                </a:rPr>
-                <a:t>0.52***</a:t>
-              </a:r>
-            </a:p>
-            <a:p>
-              <a:endParaRPr lang="es-CL" sz="1200" dirty="0">
-                <a:latin typeface="Times New Roman" panose="02020603050405020304" pitchFamily="18" charset="0"/>
-                <a:cs typeface="Times New Roman" panose="02020603050405020304" pitchFamily="18" charset="0"/>
-              </a:endParaRPr>
-            </a:p>
-          </p:txBody>
-        </p:sp>
-        <p:sp>
-          <p:nvSpPr>
             <p:cNvPr id="19" name="CuadroTexto 18">
               <a:extLst>
                 <a:ext uri="{FF2B5EF4-FFF2-40B4-BE49-F238E27FC236}">
@@ -7853,50 +7765,6 @@
                 </a:rPr>
                 <a:t>-0.02</a:t>
               </a:r>
-            </a:p>
-          </p:txBody>
-        </p:sp>
-        <p:sp>
-          <p:nvSpPr>
-            <p:cNvPr id="20" name="CuadroTexto 19">
-              <a:extLst>
-                <a:ext uri="{FF2B5EF4-FFF2-40B4-BE49-F238E27FC236}">
-                  <a16:creationId xmlns:a16="http://schemas.microsoft.com/office/drawing/2014/main" id="{49BB73CC-EC8E-439A-A1A7-27FF9AE99252}"/>
-                </a:ext>
-              </a:extLst>
-            </p:cNvPr>
-            <p:cNvSpPr txBox="1"/>
-            <p:nvPr/>
-          </p:nvSpPr>
-          <p:spPr>
-            <a:xfrm>
-              <a:off x="9856118" y="3177239"/>
-              <a:ext cx="707511" cy="461665"/>
-            </a:xfrm>
-            <a:prstGeom prst="rect">
-              <a:avLst/>
-            </a:prstGeom>
-            <a:noFill/>
-          </p:spPr>
-          <p:txBody>
-            <a:bodyPr wrap="square" rtlCol="0">
-              <a:spAutoFit/>
-            </a:bodyPr>
-            <a:lstStyle/>
-            <a:p>
-              <a:r>
-                <a:rPr lang="es-CL" sz="1200" dirty="0">
-                  <a:latin typeface="Times New Roman" panose="02020603050405020304" pitchFamily="18" charset="0"/>
-                  <a:cs typeface="Times New Roman" panose="02020603050405020304" pitchFamily="18" charset="0"/>
-                </a:rPr>
-                <a:t>0.40***</a:t>
-              </a:r>
-            </a:p>
-            <a:p>
-              <a:endParaRPr lang="es-CL" sz="1200" dirty="0">
-                <a:latin typeface="Times New Roman" panose="02020603050405020304" pitchFamily="18" charset="0"/>
-                <a:cs typeface="Times New Roman" panose="02020603050405020304" pitchFamily="18" charset="0"/>
-              </a:endParaRPr>
             </a:p>
           </p:txBody>
         </p:sp>
@@ -8035,10 +7903,10 @@
       </p:grpSp>
       <p:graphicFrame>
         <p:nvGraphicFramePr>
-          <p:cNvPr id="24" name="Objeto 23">
-            <a:extLst>
-              <a:ext uri="{FF2B5EF4-FFF2-40B4-BE49-F238E27FC236}">
-                <a16:creationId xmlns:a16="http://schemas.microsoft.com/office/drawing/2014/main" id="{711507F8-522B-4921-ACAA-3B7377663327}"/>
+          <p:cNvPr id="6" name="Objeto 5">
+            <a:extLst>
+              <a:ext uri="{FF2B5EF4-FFF2-40B4-BE49-F238E27FC236}">
+                <a16:creationId xmlns:a16="http://schemas.microsoft.com/office/drawing/2014/main" id="{9ED26E23-2B17-4E1A-A53E-C474ABBD03DB}"/>
               </a:ext>
             </a:extLst>
           </p:cNvPr>
@@ -8048,25 +7916,25 @@
           <p:nvPr>
             <p:extLst>
               <p:ext uri="{D42A27DB-BD31-4B8C-83A1-F6EECF244321}">
-                <p14:modId xmlns:p14="http://schemas.microsoft.com/office/powerpoint/2010/main" val="4186350823"/>
+                <p14:modId xmlns:p14="http://schemas.microsoft.com/office/powerpoint/2010/main" val="1665963612"/>
               </p:ext>
             </p:extLst>
           </p:nvPr>
         </p:nvGraphicFramePr>
         <p:xfrm>
-          <a:off x="445255" y="3128736"/>
-          <a:ext cx="1780708" cy="461665"/>
+          <a:off x="883932" y="3286813"/>
+          <a:ext cx="619125" cy="200025"/>
         </p:xfrm>
         <a:graphic>
           <a:graphicData uri="http://schemas.openxmlformats.org/presentationml/2006/ole">
             <mc:AlternateContent xmlns:mc="http://schemas.openxmlformats.org/markup-compatibility/2006">
               <mc:Choice xmlns:v="urn:schemas-microsoft-com:vml" Requires="v">
-                <p:oleObj spid="_x0000_s2051" name="Worksheet" r:id="rId4" imgW="771582" imgH="199923" progId="Excel.Sheet.12">
+                <p:oleObj spid="_x0000_s2056" name="Worksheet" r:id="rId4" imgW="618978" imgH="199923" progId="Excel.Sheet.12">
                   <p:link updateAutomatic="1"/>
                 </p:oleObj>
               </mc:Choice>
               <mc:Fallback>
-                <p:oleObj name="Worksheet" r:id="rId4" imgW="771582" imgH="199923" progId="Excel.Sheet.12">
+                <p:oleObj name="Worksheet" r:id="rId4" imgW="618978" imgH="199923" progId="Excel.Sheet.12">
                   <p:link updateAutomatic="1"/>
                   <p:pic>
                     <p:nvPicPr>
@@ -8082,8 +7950,205 @@
                     </p:blipFill>
                     <p:spPr>
                       <a:xfrm>
-                        <a:off x="445255" y="3128736"/>
-                        <a:ext cx="1780708" cy="461665"/>
+                        <a:off x="883932" y="3286813"/>
+                        <a:ext cx="619125" cy="200025"/>
+                      </a:xfrm>
+                      <a:prstGeom prst="rect">
+                        <a:avLst/>
+                      </a:prstGeom>
+                      <a:solidFill>
+                        <a:schemeClr val="bg1"/>
+                      </a:solidFill>
+                    </p:spPr>
+                  </p:pic>
+                </p:oleObj>
+              </mc:Fallback>
+            </mc:AlternateContent>
+          </a:graphicData>
+        </a:graphic>
+      </p:graphicFrame>
+      <p:graphicFrame>
+        <p:nvGraphicFramePr>
+          <p:cNvPr id="12" name="Objeto 11">
+            <a:extLst>
+              <a:ext uri="{FF2B5EF4-FFF2-40B4-BE49-F238E27FC236}">
+                <a16:creationId xmlns:a16="http://schemas.microsoft.com/office/drawing/2014/main" id="{5D0F5FF1-E50A-4923-AA51-CD2353668E0C}"/>
+              </a:ext>
+            </a:extLst>
+          </p:cNvPr>
+          <p:cNvGraphicFramePr>
+            <a:graphicFrameLocks noChangeAspect="1"/>
+          </p:cNvGraphicFramePr>
+          <p:nvPr>
+            <p:extLst>
+              <p:ext uri="{D42A27DB-BD31-4B8C-83A1-F6EECF244321}">
+                <p14:modId xmlns:p14="http://schemas.microsoft.com/office/powerpoint/2010/main" val="1655965349"/>
+              </p:ext>
+            </p:extLst>
+          </p:nvPr>
+        </p:nvGraphicFramePr>
+        <p:xfrm>
+          <a:off x="4366924" y="3286812"/>
+          <a:ext cx="619125" cy="200025"/>
+        </p:xfrm>
+        <a:graphic>
+          <a:graphicData uri="http://schemas.openxmlformats.org/presentationml/2006/ole">
+            <mc:AlternateContent xmlns:mc="http://schemas.openxmlformats.org/markup-compatibility/2006">
+              <mc:Choice xmlns:v="urn:schemas-microsoft-com:vml" Requires="v">
+                <p:oleObj spid="_x0000_s2057" name="Worksheet" r:id="rId6" imgW="618978" imgH="199923" progId="Excel.Sheet.12">
+                  <p:link updateAutomatic="1"/>
+                </p:oleObj>
+              </mc:Choice>
+              <mc:Fallback>
+                <p:oleObj name="Worksheet" r:id="rId6" imgW="618978" imgH="199923" progId="Excel.Sheet.12">
+                  <p:link updateAutomatic="1"/>
+                  <p:pic>
+                    <p:nvPicPr>
+                      <p:cNvPr id="0" name=""/>
+                      <p:cNvPicPr/>
+                      <p:nvPr/>
+                    </p:nvPicPr>
+                    <p:blipFill>
+                      <a:blip r:embed="rId7"/>
+                      <a:stretch>
+                        <a:fillRect/>
+                      </a:stretch>
+                    </p:blipFill>
+                    <p:spPr>
+                      <a:xfrm>
+                        <a:off x="4366924" y="3286812"/>
+                        <a:ext cx="619125" cy="200025"/>
+                      </a:xfrm>
+                      <a:prstGeom prst="rect">
+                        <a:avLst/>
+                      </a:prstGeom>
+                      <a:ln>
+                        <a:solidFill>
+                          <a:schemeClr val="bg1"/>
+                        </a:solidFill>
+                      </a:ln>
+                    </p:spPr>
+                  </p:pic>
+                </p:oleObj>
+              </mc:Fallback>
+            </mc:AlternateContent>
+          </a:graphicData>
+        </a:graphic>
+      </p:graphicFrame>
+      <p:graphicFrame>
+        <p:nvGraphicFramePr>
+          <p:cNvPr id="27" name="Objeto 26">
+            <a:extLst>
+              <a:ext uri="{FF2B5EF4-FFF2-40B4-BE49-F238E27FC236}">
+                <a16:creationId xmlns:a16="http://schemas.microsoft.com/office/drawing/2014/main" id="{592D4093-4223-444A-9DC5-D867A24A9766}"/>
+              </a:ext>
+            </a:extLst>
+          </p:cNvPr>
+          <p:cNvGraphicFramePr>
+            <a:graphicFrameLocks noChangeAspect="1"/>
+          </p:cNvGraphicFramePr>
+          <p:nvPr>
+            <p:extLst>
+              <p:ext uri="{D42A27DB-BD31-4B8C-83A1-F6EECF244321}">
+                <p14:modId xmlns:p14="http://schemas.microsoft.com/office/powerpoint/2010/main" val="2326472792"/>
+              </p:ext>
+            </p:extLst>
+          </p:nvPr>
+        </p:nvGraphicFramePr>
+        <p:xfrm>
+          <a:off x="7111521" y="3286811"/>
+          <a:ext cx="619125" cy="200025"/>
+        </p:xfrm>
+        <a:graphic>
+          <a:graphicData uri="http://schemas.openxmlformats.org/presentationml/2006/ole">
+            <mc:AlternateContent xmlns:mc="http://schemas.openxmlformats.org/markup-compatibility/2006">
+              <mc:Choice xmlns:v="urn:schemas-microsoft-com:vml" Requires="v">
+                <p:oleObj spid="_x0000_s2058" name="Worksheet" r:id="rId8" imgW="618978" imgH="199923" progId="Excel.Sheet.12">
+                  <p:link updateAutomatic="1"/>
+                </p:oleObj>
+              </mc:Choice>
+              <mc:Fallback>
+                <p:oleObj name="Worksheet" r:id="rId8" imgW="618978" imgH="199923" progId="Excel.Sheet.12">
+                  <p:link updateAutomatic="1"/>
+                  <p:pic>
+                    <p:nvPicPr>
+                      <p:cNvPr id="0" name=""/>
+                      <p:cNvPicPr/>
+                      <p:nvPr/>
+                    </p:nvPicPr>
+                    <p:blipFill>
+                      <a:blip r:embed="rId9"/>
+                      <a:stretch>
+                        <a:fillRect/>
+                      </a:stretch>
+                    </p:blipFill>
+                    <p:spPr>
+                      <a:xfrm>
+                        <a:off x="7111521" y="3286811"/>
+                        <a:ext cx="619125" cy="200025"/>
+                      </a:xfrm>
+                      <a:prstGeom prst="rect">
+                        <a:avLst/>
+                      </a:prstGeom>
+                    </p:spPr>
+                  </p:pic>
+                </p:oleObj>
+              </mc:Fallback>
+            </mc:AlternateContent>
+          </a:graphicData>
+        </a:graphic>
+      </p:graphicFrame>
+      <p:graphicFrame>
+        <p:nvGraphicFramePr>
+          <p:cNvPr id="28" name="Objeto 27">
+            <a:extLst>
+              <a:ext uri="{FF2B5EF4-FFF2-40B4-BE49-F238E27FC236}">
+                <a16:creationId xmlns:a16="http://schemas.microsoft.com/office/drawing/2014/main" id="{662D9AFE-9E45-4AAA-ABBC-156B53EB9749}"/>
+              </a:ext>
+            </a:extLst>
+          </p:cNvPr>
+          <p:cNvGraphicFramePr>
+            <a:graphicFrameLocks noChangeAspect="1"/>
+          </p:cNvGraphicFramePr>
+          <p:nvPr>
+            <p:extLst>
+              <p:ext uri="{D42A27DB-BD31-4B8C-83A1-F6EECF244321}">
+                <p14:modId xmlns:p14="http://schemas.microsoft.com/office/powerpoint/2010/main" val="1066678656"/>
+              </p:ext>
+            </p:extLst>
+          </p:nvPr>
+        </p:nvGraphicFramePr>
+        <p:xfrm>
+          <a:off x="9856118" y="3286810"/>
+          <a:ext cx="619125" cy="200025"/>
+        </p:xfrm>
+        <a:graphic>
+          <a:graphicData uri="http://schemas.openxmlformats.org/presentationml/2006/ole">
+            <mc:AlternateContent xmlns:mc="http://schemas.openxmlformats.org/markup-compatibility/2006">
+              <mc:Choice xmlns:v="urn:schemas-microsoft-com:vml" Requires="v">
+                <p:oleObj spid="_x0000_s2059" name="Worksheet" r:id="rId10" imgW="618978" imgH="199923" progId="Excel.Sheet.12">
+                  <p:link updateAutomatic="1"/>
+                </p:oleObj>
+              </mc:Choice>
+              <mc:Fallback>
+                <p:oleObj name="Worksheet" r:id="rId10" imgW="618978" imgH="199923" progId="Excel.Sheet.12">
+                  <p:link updateAutomatic="1"/>
+                  <p:pic>
+                    <p:nvPicPr>
+                      <p:cNvPr id="0" name=""/>
+                      <p:cNvPicPr/>
+                      <p:nvPr/>
+                    </p:nvPicPr>
+                    <p:blipFill>
+                      <a:blip r:embed="rId11"/>
+                      <a:stretch>
+                        <a:fillRect/>
+                      </a:stretch>
+                    </p:blipFill>
+                    <p:spPr>
+                      <a:xfrm>
+                        <a:off x="9856118" y="3286810"/>
+                        <a:ext cx="619125" cy="200025"/>
                       </a:xfrm>
                       <a:prstGeom prst="rect">
                         <a:avLst/>
